--- a/Rabu, 07.00-09.30 Kecerdasan Buatan/Minggu 2 - (teknik pencarian  blind seacrh)/2-metode search 2022.pptx
+++ b/Rabu, 07.00-09.30 Kecerdasan Buatan/Minggu 2 - (teknik pencarian  blind seacrh)/2-metode search 2022.pptx
@@ -4487,7 +4487,7 @@
           <a:p>
             <a:fld id="{57551230-278B-4E27-941A-C42ADD843F06}" type="datetimeFigureOut">
               <a:rPr lang="en-US" smtClean="0"/>
-              <a:t>10/2/2022</a:t>
+              <a:t>11/15/2022</a:t>
             </a:fld>
             <a:endParaRPr lang="en-US"/>
           </a:p>
@@ -4774,7 +4774,7 @@
           <a:p>
             <a:fld id="{57551230-278B-4E27-941A-C42ADD843F06}" type="datetimeFigureOut">
               <a:rPr lang="en-US" smtClean="0"/>
-              <a:t>10/2/2022</a:t>
+              <a:t>11/15/2022</a:t>
             </a:fld>
             <a:endParaRPr lang="en-US"/>
           </a:p>
@@ -4966,7 +4966,7 @@
           <a:p>
             <a:fld id="{57551230-278B-4E27-941A-C42ADD843F06}" type="datetimeFigureOut">
               <a:rPr lang="en-US" smtClean="0"/>
-              <a:t>10/2/2022</a:t>
+              <a:t>11/15/2022</a:t>
             </a:fld>
             <a:endParaRPr lang="en-US"/>
           </a:p>
@@ -5227,7 +5227,7 @@
           <a:p>
             <a:fld id="{57551230-278B-4E27-941A-C42ADD843F06}" type="datetimeFigureOut">
               <a:rPr lang="en-US" smtClean="0"/>
-              <a:t>10/2/2022</a:t>
+              <a:t>11/15/2022</a:t>
             </a:fld>
             <a:endParaRPr lang="en-US"/>
           </a:p>
@@ -5651,7 +5651,7 @@
           <a:p>
             <a:fld id="{57551230-278B-4E27-941A-C42ADD843F06}" type="datetimeFigureOut">
               <a:rPr lang="en-US" smtClean="0"/>
-              <a:t>10/2/2022</a:t>
+              <a:t>11/15/2022</a:t>
             </a:fld>
             <a:endParaRPr lang="en-US"/>
           </a:p>
@@ -6197,7 +6197,7 @@
           <a:p>
             <a:fld id="{57551230-278B-4E27-941A-C42ADD843F06}" type="datetimeFigureOut">
               <a:rPr lang="en-US" smtClean="0"/>
-              <a:t>10/2/2022</a:t>
+              <a:t>11/15/2022</a:t>
             </a:fld>
             <a:endParaRPr lang="en-US"/>
           </a:p>
@@ -7037,7 +7037,7 @@
           <a:p>
             <a:fld id="{57551230-278B-4E27-941A-C42ADD843F06}" type="datetimeFigureOut">
               <a:rPr lang="en-US" smtClean="0"/>
-              <a:t>10/2/2022</a:t>
+              <a:t>11/15/2022</a:t>
             </a:fld>
             <a:endParaRPr lang="en-US"/>
           </a:p>
@@ -7207,7 +7207,7 @@
           <a:p>
             <a:fld id="{57551230-278B-4E27-941A-C42ADD843F06}" type="datetimeFigureOut">
               <a:rPr lang="en-US" smtClean="0"/>
-              <a:t>10/2/2022</a:t>
+              <a:t>11/15/2022</a:t>
             </a:fld>
             <a:endParaRPr lang="en-US"/>
           </a:p>
@@ -7391,7 +7391,7 @@
           <a:p>
             <a:fld id="{57551230-278B-4E27-941A-C42ADD843F06}" type="datetimeFigureOut">
               <a:rPr lang="en-US" smtClean="0"/>
-              <a:t>10/2/2022</a:t>
+              <a:t>11/15/2022</a:t>
             </a:fld>
             <a:endParaRPr lang="en-US"/>
           </a:p>
@@ -7561,7 +7561,7 @@
           <a:p>
             <a:fld id="{57551230-278B-4E27-941A-C42ADD843F06}" type="datetimeFigureOut">
               <a:rPr lang="en-US" smtClean="0"/>
-              <a:t>10/2/2022</a:t>
+              <a:t>11/15/2022</a:t>
             </a:fld>
             <a:endParaRPr lang="en-US"/>
           </a:p>
@@ -7809,7 +7809,7 @@
           <a:p>
             <a:fld id="{57551230-278B-4E27-941A-C42ADD843F06}" type="datetimeFigureOut">
               <a:rPr lang="en-US" smtClean="0"/>
-              <a:t>10/2/2022</a:t>
+              <a:t>11/15/2022</a:t>
             </a:fld>
             <a:endParaRPr lang="en-US"/>
           </a:p>
@@ -8046,7 +8046,7 @@
           <a:p>
             <a:fld id="{57551230-278B-4E27-941A-C42ADD843F06}" type="datetimeFigureOut">
               <a:rPr lang="en-US" smtClean="0"/>
-              <a:t>10/2/2022</a:t>
+              <a:t>11/15/2022</a:t>
             </a:fld>
             <a:endParaRPr lang="en-US"/>
           </a:p>
@@ -8419,7 +8419,7 @@
           <a:p>
             <a:fld id="{57551230-278B-4E27-941A-C42ADD843F06}" type="datetimeFigureOut">
               <a:rPr lang="en-US" smtClean="0"/>
-              <a:t>10/2/2022</a:t>
+              <a:t>11/15/2022</a:t>
             </a:fld>
             <a:endParaRPr lang="en-US"/>
           </a:p>
@@ -8537,7 +8537,7 @@
           <a:p>
             <a:fld id="{57551230-278B-4E27-941A-C42ADD843F06}" type="datetimeFigureOut">
               <a:rPr lang="en-US" smtClean="0"/>
-              <a:t>10/2/2022</a:t>
+              <a:t>11/15/2022</a:t>
             </a:fld>
             <a:endParaRPr lang="en-US"/>
           </a:p>
@@ -8632,7 +8632,7 @@
           <a:p>
             <a:fld id="{57551230-278B-4E27-941A-C42ADD843F06}" type="datetimeFigureOut">
               <a:rPr lang="en-US" smtClean="0"/>
-              <a:t>10/2/2022</a:t>
+              <a:t>11/15/2022</a:t>
             </a:fld>
             <a:endParaRPr lang="en-US"/>
           </a:p>
@@ -8883,7 +8883,7 @@
           <a:p>
             <a:fld id="{57551230-278B-4E27-941A-C42ADD843F06}" type="datetimeFigureOut">
               <a:rPr lang="en-US" smtClean="0"/>
-              <a:t>10/2/2022</a:t>
+              <a:t>11/15/2022</a:t>
             </a:fld>
             <a:endParaRPr lang="en-US"/>
           </a:p>
@@ -9170,7 +9170,7 @@
           <a:p>
             <a:fld id="{57551230-278B-4E27-941A-C42ADD843F06}" type="datetimeFigureOut">
               <a:rPr lang="en-US" smtClean="0"/>
-              <a:t>10/2/2022</a:t>
+              <a:t>11/15/2022</a:t>
             </a:fld>
             <a:endParaRPr lang="en-US"/>
           </a:p>
@@ -9383,7 +9383,7 @@
           <a:p>
             <a:fld id="{57551230-278B-4E27-941A-C42ADD843F06}" type="datetimeFigureOut">
               <a:rPr lang="en-US" smtClean="0"/>
-              <a:t>10/2/2022</a:t>
+              <a:t>11/15/2022</a:t>
             </a:fld>
             <a:endParaRPr lang="en-US"/>
           </a:p>
